--- a/2015182030_FrameWork/2D 게임프로그래밍 4차 발표.pptx
+++ b/2015182030_FrameWork/2D 게임프로그래밍 4차 발표.pptx
@@ -3841,31 +3841,7 @@
                 <a:latin typeface="HY헤드라인M" panose="02030600000101010101" pitchFamily="18" charset="-127"/>
                 <a:ea typeface="HY헤드라인M" panose="02030600000101010101" pitchFamily="18" charset="-127"/>
               </a:rPr>
-              <a:t>프로젝트 </a:t>
-            </a:r>
-            <a:r>
-              <a:rPr lang="en-US" altLang="ko-KR" sz="4400" dirty="0">
-                <a:solidFill>
-                  <a:schemeClr val="accent4">
-                    <a:lumMod val="50000"/>
-                  </a:schemeClr>
-                </a:solidFill>
-                <a:latin typeface="HY헤드라인M" panose="02030600000101010101" pitchFamily="18" charset="-127"/>
-                <a:ea typeface="HY헤드라인M" panose="02030600000101010101" pitchFamily="18" charset="-127"/>
-              </a:rPr>
-              <a:t>4</a:t>
-            </a:r>
-            <a:r>
-              <a:rPr lang="ko-KR" altLang="en-US" sz="4400" dirty="0">
-                <a:solidFill>
-                  <a:schemeClr val="accent4">
-                    <a:lumMod val="50000"/>
-                  </a:schemeClr>
-                </a:solidFill>
-                <a:latin typeface="HY헤드라인M" panose="02030600000101010101" pitchFamily="18" charset="-127"/>
-                <a:ea typeface="HY헤드라인M" panose="02030600000101010101" pitchFamily="18" charset="-127"/>
-              </a:rPr>
-              <a:t>차 발표</a:t>
+              <a:t>프로젝트 최종 발표</a:t>
             </a:r>
           </a:p>
         </p:txBody>
@@ -4084,7 +4060,7 @@
         <p:spPr>
           <a:xfrm>
             <a:off x="1188881" y="351469"/>
-            <a:ext cx="2598788" cy="430887"/>
+            <a:ext cx="1673856" cy="430887"/>
           </a:xfrm>
           <a:prstGeom prst="rect">
             <a:avLst/>
@@ -4098,8 +4074,12 @@
           <a:lstStyle/>
           <a:p>
             <a:r>
+              <a:rPr lang="ko-KR" altLang="en-US" sz="2200"/>
+              <a:t>개발 </a:t>
+            </a:r>
+            <a:r>
               <a:rPr lang="ko-KR" altLang="en-US" sz="2200" dirty="0"/>
-              <a:t>현재 개발 진행상황</a:t>
+              <a:t>진척도</a:t>
             </a:r>
           </a:p>
         </p:txBody>
@@ -4119,14 +4099,14 @@
           <p:nvPr>
             <p:extLst>
               <p:ext uri="{D42A27DB-BD31-4B8C-83A1-F6EECF244321}">
-                <p14:modId xmlns:p14="http://schemas.microsoft.com/office/powerpoint/2010/main" val="3732620494"/>
+                <p14:modId xmlns:p14="http://schemas.microsoft.com/office/powerpoint/2010/main" val="780235216"/>
               </p:ext>
             </p:extLst>
           </p:nvPr>
         </p:nvGraphicFramePr>
         <p:xfrm>
-          <a:off x="1734661" y="860700"/>
-          <a:ext cx="8722678" cy="5905832"/>
+          <a:off x="1734661" y="724637"/>
+          <a:ext cx="8722678" cy="5996382"/>
         </p:xfrm>
         <a:graphic>
           <a:graphicData uri="http://schemas.openxmlformats.org/drawingml/2006/table">
@@ -4157,7 +4137,7 @@
                   </a:extLst>
                 </a:gridCol>
               </a:tblGrid>
-              <a:tr h="504056">
+              <a:tr h="491817">
                 <a:tc>
                   <a:txBody>
                     <a:bodyPr/>
@@ -4326,7 +4306,7 @@
                   </a:ext>
                 </a:extLst>
               </a:tr>
-              <a:tr h="504056">
+              <a:tr h="624539">
                 <a:tc>
                   <a:txBody>
                     <a:bodyPr/>
@@ -4587,7 +4567,7 @@
                   </a:ext>
                 </a:extLst>
               </a:tr>
-              <a:tr h="504056">
+              <a:tr h="491817">
                 <a:tc>
                   <a:txBody>
                     <a:bodyPr/>
@@ -4862,7 +4842,7 @@
                   </a:ext>
                 </a:extLst>
               </a:tr>
-              <a:tr h="504056">
+              <a:tr h="491817">
                 <a:tc>
                   <a:txBody>
                     <a:bodyPr/>
@@ -5025,7 +5005,7 @@
                   </a:ext>
                 </a:extLst>
               </a:tr>
-              <a:tr h="504056">
+              <a:tr h="491817">
                 <a:tc>
                   <a:txBody>
                     <a:bodyPr/>
@@ -5309,7 +5289,43 @@
                           <a:latin typeface="netmarble Medium" panose="02020603020101020101" pitchFamily="18" charset="-127"/>
                           <a:ea typeface="netmarble Medium" panose="02020603020101020101" pitchFamily="18" charset="-127"/>
                         </a:rPr>
-                        <a:t>가지</a:t>
+                        <a:t>가지             </a:t>
+                      </a:r>
+                      <a:r>
+                        <a:rPr lang="ko-KR" altLang="en-US" dirty="0">
+                          <a:solidFill>
+                            <a:schemeClr val="accent5">
+                              <a:lumMod val="75000"/>
+                            </a:schemeClr>
+                          </a:solidFill>
+                          <a:latin typeface="netmarble Medium" panose="02020603020101020101" pitchFamily="18" charset="-127"/>
+                          <a:ea typeface="netmarble Medium" panose="02020603020101020101" pitchFamily="18" charset="-127"/>
+                        </a:rPr>
+                        <a:t>   </a:t>
+                      </a:r>
+                      <a:r>
+                        <a:rPr lang="en-US" altLang="ko-KR" dirty="0">
+                          <a:solidFill>
+                            <a:schemeClr val="accent5">
+                              <a:lumMod val="75000"/>
+                            </a:schemeClr>
+                          </a:solidFill>
+                          <a:latin typeface="netmarble Medium" panose="02020603020101020101" pitchFamily="18" charset="-127"/>
+                          <a:ea typeface="netmarble Medium" panose="02020603020101020101" pitchFamily="18" charset="-127"/>
+                        </a:rPr>
+                        <a:t>stage 2 </a:t>
+                      </a:r>
+                      <a:r>
+                        <a:rPr lang="ko-KR" altLang="en-US" dirty="0">
+                          <a:solidFill>
+                            <a:schemeClr val="accent5">
+                              <a:lumMod val="75000"/>
+                            </a:schemeClr>
+                          </a:solidFill>
+                          <a:latin typeface="netmarble Medium" panose="02020603020101020101" pitchFamily="18" charset="-127"/>
+                          <a:ea typeface="netmarble Medium" panose="02020603020101020101" pitchFamily="18" charset="-127"/>
+                        </a:rPr>
+                        <a:t>구현 못함</a:t>
                       </a:r>
                       <a:endParaRPr lang="en-US" altLang="ko-KR" dirty="0">
                         <a:solidFill>
@@ -5378,12 +5394,32 @@
                           <a:latin typeface="netmarble Medium" panose="02020603020101020101" pitchFamily="18" charset="-127"/>
                           <a:ea typeface="netmarble Medium" panose="02020603020101020101" pitchFamily="18" charset="-127"/>
                         </a:rPr>
-                        <a:t>가지 구현</a:t>
-                      </a:r>
-                      <a:endParaRPr lang="en-US" altLang="ko-KR" dirty="0">
-                        <a:latin typeface="netmarble Medium" panose="02020603020101020101" pitchFamily="18" charset="-127"/>
-                        <a:ea typeface="netmarble Medium" panose="02020603020101020101" pitchFamily="18" charset="-127"/>
-                      </a:endParaRPr>
+                        <a:t>가지 구현      </a:t>
+                      </a:r>
+                      <a:r>
+                        <a:rPr lang="ko-KR" altLang="en-US" dirty="0">
+                          <a:solidFill>
+                            <a:schemeClr val="accent5">
+                              <a:lumMod val="75000"/>
+                            </a:schemeClr>
+                          </a:solidFill>
+                          <a:latin typeface="netmarble Medium" panose="02020603020101020101" pitchFamily="18" charset="-127"/>
+                          <a:ea typeface="netmarble Medium" panose="02020603020101020101" pitchFamily="18" charset="-127"/>
+                        </a:rPr>
+                        <a:t>보스 패턴 추가 구현</a:t>
+                      </a:r>
+                      <a:r>
+                        <a:rPr lang="en-US" altLang="ko-KR" dirty="0">
+                          <a:solidFill>
+                            <a:schemeClr val="accent5">
+                              <a:lumMod val="75000"/>
+                            </a:schemeClr>
+                          </a:solidFill>
+                          <a:latin typeface="netmarble Medium" panose="02020603020101020101" pitchFamily="18" charset="-127"/>
+                          <a:ea typeface="netmarble Medium" panose="02020603020101020101" pitchFamily="18" charset="-127"/>
+                        </a:rPr>
+                        <a:t>X</a:t>
+                      </a:r>
                     </a:p>
                   </a:txBody>
                   <a:tcPr anchor="ctr">
@@ -5439,7 +5475,7 @@
                   </a:ext>
                 </a:extLst>
               </a:tr>
-              <a:tr h="504056">
+              <a:tr h="1203359">
                 <a:tc>
                   <a:txBody>
                     <a:bodyPr/>
@@ -5599,7 +5635,7 @@
                   </a:ext>
                 </a:extLst>
               </a:tr>
-              <a:tr h="504056">
+              <a:tr h="491817">
                 <a:tc>
                   <a:txBody>
                     <a:bodyPr/>
@@ -5881,10 +5917,6 @@
                         </a:rPr>
                         <a:t>).</a:t>
                       </a:r>
-                      <a:endParaRPr lang="ko-KR" altLang="en-US" dirty="0">
-                        <a:latin typeface="netmarble Medium" panose="02020603020101020101" pitchFamily="18" charset="-127"/>
-                        <a:ea typeface="netmarble Medium" panose="02020603020101020101" pitchFamily="18" charset="-127"/>
-                      </a:endParaRPr>
                     </a:p>
                   </a:txBody>
                   <a:tcPr anchor="ctr">
@@ -5940,7 +5972,7 @@
                   </a:ext>
                 </a:extLst>
               </a:tr>
-              <a:tr h="504056">
+              <a:tr h="668040">
                 <a:tc>
                   <a:txBody>
                     <a:bodyPr/>
@@ -6145,7 +6177,7 @@
                   </a:ext>
                 </a:extLst>
               </a:tr>
-              <a:tr h="504056">
+              <a:tr h="491817">
                 <a:tc>
                   <a:txBody>
                     <a:bodyPr/>
@@ -6247,7 +6279,7 @@
                           <a:latin typeface="netmarble Medium" panose="02020603020101020101" pitchFamily="18" charset="-127"/>
                           <a:ea typeface="netmarble Medium" panose="02020603020101020101" pitchFamily="18" charset="-127"/>
                         </a:rPr>
-                        <a:t>(90%)</a:t>
+                        <a:t>(100%)</a:t>
                       </a:r>
                       <a:endParaRPr lang="ko-KR" altLang="en-US" dirty="0">
                         <a:solidFill>
@@ -6394,7 +6426,7 @@
                   </a:ext>
                 </a:extLst>
               </a:tr>
-              <a:tr h="504056">
+              <a:tr h="491817">
                 <a:tc>
                   <a:txBody>
                     <a:bodyPr/>
